--- a/PortfolioOptimum/Портфельный анализ.pptx
+++ b/PortfolioOptimum/Портфельный анализ.pptx
@@ -14,6 +14,13 @@
     <p:sldId id="263" r:id="rId8"/>
     <p:sldId id="264" r:id="rId9"/>
     <p:sldId id="265" r:id="rId10"/>
+    <p:sldId id="266" r:id="rId11"/>
+    <p:sldId id="267" r:id="rId12"/>
+    <p:sldId id="268" r:id="rId13"/>
+    <p:sldId id="270" r:id="rId14"/>
+    <p:sldId id="269" r:id="rId15"/>
+    <p:sldId id="271" r:id="rId16"/>
+    <p:sldId id="272" r:id="rId17"/>
   </p:sldIdLst>
   <p:sldSz cx="12192000" cy="6858000"/>
   <p:notesSz cx="6858000" cy="9144000"/>
@@ -112,6 +119,11 @@
       </a:defRPr>
     </a:lvl9pPr>
   </p:defaultTextStyle>
+  <p:extLst>
+    <p:ext uri="{EFAFB233-063F-42B5-8137-9DF3F51BA10A}">
+      <p15:sldGuideLst xmlns:p15="http://schemas.microsoft.com/office/powerpoint/2012/main"/>
+    </p:ext>
+  </p:extLst>
 </p:presentation>
 </file>
 
@@ -262,7 +274,7 @@
           <a:p>
             <a:fld id="{FA08EE64-00FF-4CF2-ABF4-6D33DA9200FF}" type="datetimeFigureOut">
               <a:rPr lang="ru-RU" smtClean="0"/>
-              <a:t>14.12.2023</a:t>
+              <a:t>15.12.2023</a:t>
             </a:fld>
             <a:endParaRPr lang="ru-RU"/>
           </a:p>
@@ -460,7 +472,7 @@
           <a:p>
             <a:fld id="{FA08EE64-00FF-4CF2-ABF4-6D33DA9200FF}" type="datetimeFigureOut">
               <a:rPr lang="ru-RU" smtClean="0"/>
-              <a:t>14.12.2023</a:t>
+              <a:t>15.12.2023</a:t>
             </a:fld>
             <a:endParaRPr lang="ru-RU"/>
           </a:p>
@@ -668,7 +680,7 @@
           <a:p>
             <a:fld id="{FA08EE64-00FF-4CF2-ABF4-6D33DA9200FF}" type="datetimeFigureOut">
               <a:rPr lang="ru-RU" smtClean="0"/>
-              <a:t>14.12.2023</a:t>
+              <a:t>15.12.2023</a:t>
             </a:fld>
             <a:endParaRPr lang="ru-RU"/>
           </a:p>
@@ -866,7 +878,7 @@
           <a:p>
             <a:fld id="{FA08EE64-00FF-4CF2-ABF4-6D33DA9200FF}" type="datetimeFigureOut">
               <a:rPr lang="ru-RU" smtClean="0"/>
-              <a:t>14.12.2023</a:t>
+              <a:t>15.12.2023</a:t>
             </a:fld>
             <a:endParaRPr lang="ru-RU"/>
           </a:p>
@@ -1141,7 +1153,7 @@
           <a:p>
             <a:fld id="{FA08EE64-00FF-4CF2-ABF4-6D33DA9200FF}" type="datetimeFigureOut">
               <a:rPr lang="ru-RU" smtClean="0"/>
-              <a:t>14.12.2023</a:t>
+              <a:t>15.12.2023</a:t>
             </a:fld>
             <a:endParaRPr lang="ru-RU"/>
           </a:p>
@@ -1406,7 +1418,7 @@
           <a:p>
             <a:fld id="{FA08EE64-00FF-4CF2-ABF4-6D33DA9200FF}" type="datetimeFigureOut">
               <a:rPr lang="ru-RU" smtClean="0"/>
-              <a:t>14.12.2023</a:t>
+              <a:t>15.12.2023</a:t>
             </a:fld>
             <a:endParaRPr lang="ru-RU"/>
           </a:p>
@@ -1818,7 +1830,7 @@
           <a:p>
             <a:fld id="{FA08EE64-00FF-4CF2-ABF4-6D33DA9200FF}" type="datetimeFigureOut">
               <a:rPr lang="ru-RU" smtClean="0"/>
-              <a:t>14.12.2023</a:t>
+              <a:t>15.12.2023</a:t>
             </a:fld>
             <a:endParaRPr lang="ru-RU"/>
           </a:p>
@@ -1959,7 +1971,7 @@
           <a:p>
             <a:fld id="{FA08EE64-00FF-4CF2-ABF4-6D33DA9200FF}" type="datetimeFigureOut">
               <a:rPr lang="ru-RU" smtClean="0"/>
-              <a:t>14.12.2023</a:t>
+              <a:t>15.12.2023</a:t>
             </a:fld>
             <a:endParaRPr lang="ru-RU"/>
           </a:p>
@@ -2072,7 +2084,7 @@
           <a:p>
             <a:fld id="{FA08EE64-00FF-4CF2-ABF4-6D33DA9200FF}" type="datetimeFigureOut">
               <a:rPr lang="ru-RU" smtClean="0"/>
-              <a:t>14.12.2023</a:t>
+              <a:t>15.12.2023</a:t>
             </a:fld>
             <a:endParaRPr lang="ru-RU"/>
           </a:p>
@@ -2383,7 +2395,7 @@
           <a:p>
             <a:fld id="{FA08EE64-00FF-4CF2-ABF4-6D33DA9200FF}" type="datetimeFigureOut">
               <a:rPr lang="ru-RU" smtClean="0"/>
-              <a:t>14.12.2023</a:t>
+              <a:t>15.12.2023</a:t>
             </a:fld>
             <a:endParaRPr lang="ru-RU"/>
           </a:p>
@@ -2671,7 +2683,7 @@
           <a:p>
             <a:fld id="{FA08EE64-00FF-4CF2-ABF4-6D33DA9200FF}" type="datetimeFigureOut">
               <a:rPr lang="ru-RU" smtClean="0"/>
-              <a:t>14.12.2023</a:t>
+              <a:t>15.12.2023</a:t>
             </a:fld>
             <a:endParaRPr lang="ru-RU"/>
           </a:p>
@@ -2912,7 +2924,7 @@
           <a:p>
             <a:fld id="{FA08EE64-00FF-4CF2-ABF4-6D33DA9200FF}" type="datetimeFigureOut">
               <a:rPr lang="ru-RU" smtClean="0"/>
-              <a:t>14.12.2023</a:t>
+              <a:t>15.12.2023</a:t>
             </a:fld>
             <a:endParaRPr lang="ru-RU"/>
           </a:p>
@@ -3377,6 +3389,1354 @@
 </p:sld>
 </file>
 
+<file path=ppt/slides/slide10.xml><?xml version="1.0" encoding="utf-8"?>
+<p:sld xmlns:a="http://schemas.openxmlformats.org/drawingml/2006/main" xmlns:r="http://schemas.openxmlformats.org/officeDocument/2006/relationships" xmlns:p="http://schemas.openxmlformats.org/presentationml/2006/main">
+  <p:cSld>
+    <p:spTree>
+      <p:nvGrpSpPr>
+        <p:cNvPr id="1" name=""/>
+        <p:cNvGrpSpPr/>
+        <p:nvPr/>
+      </p:nvGrpSpPr>
+      <p:grpSpPr>
+        <a:xfrm>
+          <a:off x="0" y="0"/>
+          <a:ext cx="0" cy="0"/>
+          <a:chOff x="0" y="0"/>
+          <a:chExt cx="0" cy="0"/>
+        </a:xfrm>
+      </p:grpSpPr>
+      <p:pic>
+        <p:nvPicPr>
+          <p:cNvPr id="3" name="Рисунок 2">
+            <a:extLst>
+              <a:ext uri="{FF2B5EF4-FFF2-40B4-BE49-F238E27FC236}">
+                <a16:creationId xmlns:a16="http://schemas.microsoft.com/office/drawing/2014/main" id="{C369AB22-037A-4FDC-9818-1335CEEB7FCB}"/>
+              </a:ext>
+            </a:extLst>
+          </p:cNvPr>
+          <p:cNvPicPr>
+            <a:picLocks noChangeAspect="1"/>
+          </p:cNvPicPr>
+          <p:nvPr/>
+        </p:nvPicPr>
+        <p:blipFill>
+          <a:blip r:embed="rId2"/>
+          <a:stretch>
+            <a:fillRect/>
+          </a:stretch>
+        </p:blipFill>
+        <p:spPr>
+          <a:xfrm>
+            <a:off x="141402" y="2187018"/>
+            <a:ext cx="8115201" cy="3172991"/>
+          </a:xfrm>
+          <a:prstGeom prst="rect">
+            <a:avLst/>
+          </a:prstGeom>
+        </p:spPr>
+      </p:pic>
+      <p:sp>
+        <p:nvSpPr>
+          <p:cNvPr id="4" name="TextBox 3">
+            <a:extLst>
+              <a:ext uri="{FF2B5EF4-FFF2-40B4-BE49-F238E27FC236}">
+                <a16:creationId xmlns:a16="http://schemas.microsoft.com/office/drawing/2014/main" id="{CB1BCAA0-C2B4-479E-9388-87D1FDF99400}"/>
+              </a:ext>
+            </a:extLst>
+          </p:cNvPr>
+          <p:cNvSpPr txBox="1"/>
+          <p:nvPr/>
+        </p:nvSpPr>
+        <p:spPr>
+          <a:xfrm>
+            <a:off x="490194" y="443060"/>
+            <a:ext cx="9803876" cy="369332"/>
+          </a:xfrm>
+          <a:prstGeom prst="rect">
+            <a:avLst/>
+          </a:prstGeom>
+          <a:noFill/>
+        </p:spPr>
+        <p:txBody>
+          <a:bodyPr wrap="square" rtlCol="0">
+            <a:spAutoFit/>
+          </a:bodyPr>
+          <a:lstStyle/>
+          <a:p>
+            <a:r>
+              <a:rPr lang="ru-RU" dirty="0"/>
+              <a:t>Снова считаем всякое</a:t>
+            </a:r>
+          </a:p>
+        </p:txBody>
+      </p:sp>
+      <p:sp>
+        <p:nvSpPr>
+          <p:cNvPr id="5" name="Прямоугольник 4">
+            <a:extLst>
+              <a:ext uri="{FF2B5EF4-FFF2-40B4-BE49-F238E27FC236}">
+                <a16:creationId xmlns:a16="http://schemas.microsoft.com/office/drawing/2014/main" id="{913B5AA8-0984-4935-A2D2-C4FEA9EAC976}"/>
+              </a:ext>
+            </a:extLst>
+          </p:cNvPr>
+          <p:cNvSpPr/>
+          <p:nvPr/>
+        </p:nvSpPr>
+        <p:spPr>
+          <a:xfrm>
+            <a:off x="7296346" y="2417220"/>
+            <a:ext cx="3808429" cy="565608"/>
+          </a:xfrm>
+          <a:prstGeom prst="rect">
+            <a:avLst/>
+          </a:prstGeom>
+        </p:spPr>
+        <p:style>
+          <a:lnRef idx="2">
+            <a:schemeClr val="accent1">
+              <a:shade val="50000"/>
+            </a:schemeClr>
+          </a:lnRef>
+          <a:fillRef idx="1">
+            <a:schemeClr val="accent1"/>
+          </a:fillRef>
+          <a:effectRef idx="0">
+            <a:schemeClr val="accent1"/>
+          </a:effectRef>
+          <a:fontRef idx="minor">
+            <a:schemeClr val="lt1"/>
+          </a:fontRef>
+        </p:style>
+        <p:txBody>
+          <a:bodyPr rtlCol="0" anchor="ctr"/>
+          <a:lstStyle/>
+          <a:p>
+            <a:pPr algn="ctr"/>
+            <a:r>
+              <a:rPr lang="ru-RU" dirty="0"/>
+              <a:t>Функция для </a:t>
+            </a:r>
+            <a:r>
+              <a:rPr lang="ru-RU" dirty="0" err="1"/>
+              <a:t>кэфа</a:t>
+            </a:r>
+            <a:r>
+              <a:rPr lang="ru-RU" dirty="0"/>
+              <a:t> Шарпа и для отрицательного </a:t>
+            </a:r>
+            <a:r>
+              <a:rPr lang="ru-RU" dirty="0" err="1"/>
+              <a:t>кэфа</a:t>
+            </a:r>
+            <a:r>
+              <a:rPr lang="ru-RU" dirty="0"/>
+              <a:t> Шарпа</a:t>
+            </a:r>
+          </a:p>
+        </p:txBody>
+      </p:sp>
+      <p:sp>
+        <p:nvSpPr>
+          <p:cNvPr id="6" name="Прямоугольник 5">
+            <a:extLst>
+              <a:ext uri="{FF2B5EF4-FFF2-40B4-BE49-F238E27FC236}">
+                <a16:creationId xmlns:a16="http://schemas.microsoft.com/office/drawing/2014/main" id="{4442E10C-EB4C-4748-93C0-3229059762CB}"/>
+              </a:ext>
+            </a:extLst>
+          </p:cNvPr>
+          <p:cNvSpPr/>
+          <p:nvPr/>
+        </p:nvSpPr>
+        <p:spPr>
+          <a:xfrm>
+            <a:off x="7946795" y="3875173"/>
+            <a:ext cx="3808429" cy="565608"/>
+          </a:xfrm>
+          <a:prstGeom prst="rect">
+            <a:avLst/>
+          </a:prstGeom>
+        </p:spPr>
+        <p:style>
+          <a:lnRef idx="2">
+            <a:schemeClr val="accent1">
+              <a:shade val="50000"/>
+            </a:schemeClr>
+          </a:lnRef>
+          <a:fillRef idx="1">
+            <a:schemeClr val="accent1"/>
+          </a:fillRef>
+          <a:effectRef idx="0">
+            <a:schemeClr val="accent1"/>
+          </a:effectRef>
+          <a:fontRef idx="minor">
+            <a:schemeClr val="lt1"/>
+          </a:fontRef>
+        </p:style>
+        <p:txBody>
+          <a:bodyPr rtlCol="0" anchor="ctr"/>
+          <a:lstStyle/>
+          <a:p>
+            <a:pPr algn="ctr"/>
+            <a:r>
+              <a:rPr lang="ru-RU" dirty="0"/>
+              <a:t>Фигачим ограничения на уравнение оптимизации</a:t>
+            </a:r>
+          </a:p>
+        </p:txBody>
+      </p:sp>
+      <p:sp>
+        <p:nvSpPr>
+          <p:cNvPr id="7" name="Прямоугольник 6">
+            <a:extLst>
+              <a:ext uri="{FF2B5EF4-FFF2-40B4-BE49-F238E27FC236}">
+                <a16:creationId xmlns:a16="http://schemas.microsoft.com/office/drawing/2014/main" id="{1EBD1621-0B73-4419-81E5-C2A549EED410}"/>
+              </a:ext>
+            </a:extLst>
+          </p:cNvPr>
+          <p:cNvSpPr/>
+          <p:nvPr/>
+        </p:nvSpPr>
+        <p:spPr>
+          <a:xfrm>
+            <a:off x="7428320" y="4814011"/>
+            <a:ext cx="3808429" cy="565608"/>
+          </a:xfrm>
+          <a:prstGeom prst="rect">
+            <a:avLst/>
+          </a:prstGeom>
+        </p:spPr>
+        <p:style>
+          <a:lnRef idx="2">
+            <a:schemeClr val="accent1">
+              <a:shade val="50000"/>
+            </a:schemeClr>
+          </a:lnRef>
+          <a:fillRef idx="1">
+            <a:schemeClr val="accent1"/>
+          </a:fillRef>
+          <a:effectRef idx="0">
+            <a:schemeClr val="accent1"/>
+          </a:effectRef>
+          <a:fontRef idx="minor">
+            <a:schemeClr val="lt1"/>
+          </a:fontRef>
+        </p:style>
+        <p:txBody>
+          <a:bodyPr rtlCol="0" anchor="ctr"/>
+          <a:lstStyle/>
+          <a:p>
+            <a:pPr algn="ctr"/>
+            <a:r>
+              <a:rPr lang="ru-RU" dirty="0"/>
+              <a:t>Задаём равные доли для бумаг в портфеле, чтобы их менять</a:t>
+            </a:r>
+          </a:p>
+        </p:txBody>
+      </p:sp>
+      <p:sp>
+        <p:nvSpPr>
+          <p:cNvPr id="9" name="Левая фигурная скобка 8">
+            <a:extLst>
+              <a:ext uri="{FF2B5EF4-FFF2-40B4-BE49-F238E27FC236}">
+                <a16:creationId xmlns:a16="http://schemas.microsoft.com/office/drawing/2014/main" id="{9FA4C542-FB65-459B-9C51-D4412585E751}"/>
+              </a:ext>
+            </a:extLst>
+          </p:cNvPr>
+          <p:cNvSpPr/>
+          <p:nvPr/>
+        </p:nvSpPr>
+        <p:spPr>
+          <a:xfrm>
+            <a:off x="4279769" y="641023"/>
+            <a:ext cx="461913" cy="1150070"/>
+          </a:xfrm>
+          <a:prstGeom prst="leftBrace">
+            <a:avLst/>
+          </a:prstGeom>
+        </p:spPr>
+        <p:style>
+          <a:lnRef idx="1">
+            <a:schemeClr val="accent1"/>
+          </a:lnRef>
+          <a:fillRef idx="0">
+            <a:schemeClr val="accent1"/>
+          </a:fillRef>
+          <a:effectRef idx="0">
+            <a:schemeClr val="accent1"/>
+          </a:effectRef>
+          <a:fontRef idx="minor">
+            <a:schemeClr val="tx1"/>
+          </a:fontRef>
+        </p:style>
+        <p:txBody>
+          <a:bodyPr rtlCol="0" anchor="ctr"/>
+          <a:lstStyle/>
+          <a:p>
+            <a:pPr algn="ctr"/>
+            <a:endParaRPr lang="ru-RU"/>
+          </a:p>
+        </p:txBody>
+      </p:sp>
+      <p:sp>
+        <p:nvSpPr>
+          <p:cNvPr id="10" name="TextBox 9">
+            <a:extLst>
+              <a:ext uri="{FF2B5EF4-FFF2-40B4-BE49-F238E27FC236}">
+                <a16:creationId xmlns:a16="http://schemas.microsoft.com/office/drawing/2014/main" id="{0FDCEFD3-B7FA-4DF0-8C34-C4E74A55F999}"/>
+              </a:ext>
+            </a:extLst>
+          </p:cNvPr>
+          <p:cNvSpPr txBox="1"/>
+          <p:nvPr/>
+        </p:nvSpPr>
+        <p:spPr>
+          <a:xfrm>
+            <a:off x="4741682" y="599558"/>
+            <a:ext cx="3789575" cy="369332"/>
+          </a:xfrm>
+          <a:prstGeom prst="rect">
+            <a:avLst/>
+          </a:prstGeom>
+          <a:noFill/>
+        </p:spPr>
+        <p:txBody>
+          <a:bodyPr wrap="square" rtlCol="0">
+            <a:spAutoFit/>
+          </a:bodyPr>
+          <a:lstStyle/>
+          <a:p>
+            <a:r>
+              <a:rPr lang="en-US" dirty="0"/>
+              <a:t>W1+w2+…+</a:t>
+            </a:r>
+            <a:r>
+              <a:rPr lang="en-US" dirty="0" err="1"/>
+              <a:t>wn</a:t>
+            </a:r>
+            <a:r>
+              <a:rPr lang="en-US" dirty="0"/>
+              <a:t> = 1</a:t>
+            </a:r>
+            <a:endParaRPr lang="ru-RU" dirty="0"/>
+          </a:p>
+        </p:txBody>
+      </p:sp>
+      <p:sp>
+        <p:nvSpPr>
+          <p:cNvPr id="11" name="TextBox 10">
+            <a:extLst>
+              <a:ext uri="{FF2B5EF4-FFF2-40B4-BE49-F238E27FC236}">
+                <a16:creationId xmlns:a16="http://schemas.microsoft.com/office/drawing/2014/main" id="{A340F8B2-8517-479E-B5C3-FADDD40D3757}"/>
+              </a:ext>
+            </a:extLst>
+          </p:cNvPr>
+          <p:cNvSpPr txBox="1"/>
+          <p:nvPr/>
+        </p:nvSpPr>
+        <p:spPr>
+          <a:xfrm>
+            <a:off x="4741682" y="1023651"/>
+            <a:ext cx="3789575" cy="369332"/>
+          </a:xfrm>
+          <a:prstGeom prst="rect">
+            <a:avLst/>
+          </a:prstGeom>
+          <a:noFill/>
+        </p:spPr>
+        <p:txBody>
+          <a:bodyPr wrap="square" rtlCol="0">
+            <a:spAutoFit/>
+          </a:bodyPr>
+          <a:lstStyle/>
+          <a:p>
+            <a:r>
+              <a:rPr lang="en-US" dirty="0"/>
+              <a:t>0 &lt; W &lt; 1</a:t>
+            </a:r>
+            <a:endParaRPr lang="ru-RU" dirty="0"/>
+          </a:p>
+        </p:txBody>
+      </p:sp>
+      <p:sp>
+        <p:nvSpPr>
+          <p:cNvPr id="12" name="TextBox 11">
+            <a:extLst>
+              <a:ext uri="{FF2B5EF4-FFF2-40B4-BE49-F238E27FC236}">
+                <a16:creationId xmlns:a16="http://schemas.microsoft.com/office/drawing/2014/main" id="{A605C782-B4F6-4C43-AACF-6385E99BF27F}"/>
+              </a:ext>
+            </a:extLst>
+          </p:cNvPr>
+          <p:cNvSpPr txBox="1"/>
+          <p:nvPr/>
+        </p:nvSpPr>
+        <p:spPr>
+          <a:xfrm>
+            <a:off x="4835951" y="1392983"/>
+            <a:ext cx="7230358" cy="369332"/>
+          </a:xfrm>
+          <a:prstGeom prst="rect">
+            <a:avLst/>
+          </a:prstGeom>
+          <a:noFill/>
+        </p:spPr>
+        <p:txBody>
+          <a:bodyPr wrap="square" rtlCol="0">
+            <a:spAutoFit/>
+          </a:bodyPr>
+          <a:lstStyle/>
+          <a:p>
+            <a:r>
+              <a:rPr lang="ru-RU" dirty="0"/>
+              <a:t>ШАРП = (Доход портфеля– Безрисковая)</a:t>
+            </a:r>
+            <a:r>
+              <a:rPr lang="en-US" dirty="0"/>
+              <a:t>/</a:t>
+            </a:r>
+            <a:r>
+              <a:rPr lang="ru-RU" dirty="0"/>
+              <a:t>Риск портфеля -</a:t>
+            </a:r>
+            <a:r>
+              <a:rPr lang="en-US" dirty="0"/>
+              <a:t>&gt;MAX</a:t>
+            </a:r>
+            <a:endParaRPr lang="ru-RU" dirty="0"/>
+          </a:p>
+        </p:txBody>
+      </p:sp>
+    </p:spTree>
+    <p:extLst>
+      <p:ext uri="{BB962C8B-B14F-4D97-AF65-F5344CB8AC3E}">
+        <p14:creationId xmlns:p14="http://schemas.microsoft.com/office/powerpoint/2010/main" val="1957149794"/>
+      </p:ext>
+    </p:extLst>
+  </p:cSld>
+  <p:clrMapOvr>
+    <a:masterClrMapping/>
+  </p:clrMapOvr>
+</p:sld>
+</file>
+
+<file path=ppt/slides/slide11.xml><?xml version="1.0" encoding="utf-8"?>
+<p:sld xmlns:a="http://schemas.openxmlformats.org/drawingml/2006/main" xmlns:r="http://schemas.openxmlformats.org/officeDocument/2006/relationships" xmlns:p="http://schemas.openxmlformats.org/presentationml/2006/main">
+  <p:cSld>
+    <p:spTree>
+      <p:nvGrpSpPr>
+        <p:cNvPr id="1" name=""/>
+        <p:cNvGrpSpPr/>
+        <p:nvPr/>
+      </p:nvGrpSpPr>
+      <p:grpSpPr>
+        <a:xfrm>
+          <a:off x="0" y="0"/>
+          <a:ext cx="0" cy="0"/>
+          <a:chOff x="0" y="0"/>
+          <a:chExt cx="0" cy="0"/>
+        </a:xfrm>
+      </p:grpSpPr>
+      <p:sp>
+        <p:nvSpPr>
+          <p:cNvPr id="4" name="TextBox 3">
+            <a:extLst>
+              <a:ext uri="{FF2B5EF4-FFF2-40B4-BE49-F238E27FC236}">
+                <a16:creationId xmlns:a16="http://schemas.microsoft.com/office/drawing/2014/main" id="{CB1BCAA0-C2B4-479E-9388-87D1FDF99400}"/>
+              </a:ext>
+            </a:extLst>
+          </p:cNvPr>
+          <p:cNvSpPr txBox="1"/>
+          <p:nvPr/>
+        </p:nvSpPr>
+        <p:spPr>
+          <a:xfrm>
+            <a:off x="490194" y="443060"/>
+            <a:ext cx="9803876" cy="369332"/>
+          </a:xfrm>
+          <a:prstGeom prst="rect">
+            <a:avLst/>
+          </a:prstGeom>
+          <a:noFill/>
+        </p:spPr>
+        <p:txBody>
+          <a:bodyPr wrap="square" rtlCol="0">
+            <a:spAutoFit/>
+          </a:bodyPr>
+          <a:lstStyle/>
+          <a:p>
+            <a:r>
+              <a:rPr lang="ru-RU" dirty="0"/>
+              <a:t>Оптимизируем это говно</a:t>
+            </a:r>
+          </a:p>
+        </p:txBody>
+      </p:sp>
+      <p:pic>
+        <p:nvPicPr>
+          <p:cNvPr id="8" name="Рисунок 7">
+            <a:extLst>
+              <a:ext uri="{FF2B5EF4-FFF2-40B4-BE49-F238E27FC236}">
+                <a16:creationId xmlns:a16="http://schemas.microsoft.com/office/drawing/2014/main" id="{5A5927E0-DDF1-40D8-B260-8D6A0D325B74}"/>
+              </a:ext>
+            </a:extLst>
+          </p:cNvPr>
+          <p:cNvPicPr>
+            <a:picLocks noChangeAspect="1"/>
+          </p:cNvPicPr>
+          <p:nvPr/>
+        </p:nvPicPr>
+        <p:blipFill>
+          <a:blip r:embed="rId2"/>
+          <a:stretch>
+            <a:fillRect/>
+          </a:stretch>
+        </p:blipFill>
+        <p:spPr>
+          <a:xfrm>
+            <a:off x="395925" y="1538879"/>
+            <a:ext cx="9090581" cy="3780242"/>
+          </a:xfrm>
+          <a:prstGeom prst="rect">
+            <a:avLst/>
+          </a:prstGeom>
+        </p:spPr>
+      </p:pic>
+      <p:sp>
+        <p:nvSpPr>
+          <p:cNvPr id="9" name="Прямоугольник 8">
+            <a:extLst>
+              <a:ext uri="{FF2B5EF4-FFF2-40B4-BE49-F238E27FC236}">
+                <a16:creationId xmlns:a16="http://schemas.microsoft.com/office/drawing/2014/main" id="{B1257C95-B345-4D6E-B613-41BA1BA9D9B4}"/>
+              </a:ext>
+            </a:extLst>
+          </p:cNvPr>
+          <p:cNvSpPr/>
+          <p:nvPr/>
+        </p:nvSpPr>
+        <p:spPr>
+          <a:xfrm>
+            <a:off x="8380428" y="1649689"/>
+            <a:ext cx="2828042" cy="1527143"/>
+          </a:xfrm>
+          <a:prstGeom prst="rect">
+            <a:avLst/>
+          </a:prstGeom>
+        </p:spPr>
+        <p:style>
+          <a:lnRef idx="2">
+            <a:schemeClr val="accent1">
+              <a:shade val="50000"/>
+            </a:schemeClr>
+          </a:lnRef>
+          <a:fillRef idx="1">
+            <a:schemeClr val="accent1"/>
+          </a:fillRef>
+          <a:effectRef idx="0">
+            <a:schemeClr val="accent1"/>
+          </a:effectRef>
+          <a:fontRef idx="minor">
+            <a:schemeClr val="lt1"/>
+          </a:fontRef>
+        </p:style>
+        <p:txBody>
+          <a:bodyPr rtlCol="0" anchor="ctr"/>
+          <a:lstStyle/>
+          <a:p>
+            <a:pPr algn="ctr"/>
+            <a:r>
+              <a:rPr lang="ru-RU" dirty="0"/>
+              <a:t>Минимизируем хренового Шарпа (нам нужно самое минимальное плохое = самое хорошее)</a:t>
+            </a:r>
+          </a:p>
+        </p:txBody>
+      </p:sp>
+      <p:sp>
+        <p:nvSpPr>
+          <p:cNvPr id="10" name="Прямоугольник 9">
+            <a:extLst>
+              <a:ext uri="{FF2B5EF4-FFF2-40B4-BE49-F238E27FC236}">
+                <a16:creationId xmlns:a16="http://schemas.microsoft.com/office/drawing/2014/main" id="{8B609994-2D9F-45CA-9172-E5580927342D}"/>
+              </a:ext>
+            </a:extLst>
+          </p:cNvPr>
+          <p:cNvSpPr/>
+          <p:nvPr/>
+        </p:nvSpPr>
+        <p:spPr>
+          <a:xfrm>
+            <a:off x="8380428" y="3681168"/>
+            <a:ext cx="2828042" cy="1527143"/>
+          </a:xfrm>
+          <a:prstGeom prst="rect">
+            <a:avLst/>
+          </a:prstGeom>
+        </p:spPr>
+        <p:style>
+          <a:lnRef idx="2">
+            <a:schemeClr val="accent1">
+              <a:shade val="50000"/>
+            </a:schemeClr>
+          </a:lnRef>
+          <a:fillRef idx="1">
+            <a:schemeClr val="accent1"/>
+          </a:fillRef>
+          <a:effectRef idx="0">
+            <a:schemeClr val="accent1"/>
+          </a:effectRef>
+          <a:fontRef idx="minor">
+            <a:schemeClr val="lt1"/>
+          </a:fontRef>
+        </p:style>
+        <p:txBody>
+          <a:bodyPr rtlCol="0" anchor="ctr"/>
+          <a:lstStyle/>
+          <a:p>
+            <a:pPr algn="ctr"/>
+            <a:r>
+              <a:rPr lang="ru-RU" dirty="0"/>
+              <a:t>Выводим результат</a:t>
+            </a:r>
+          </a:p>
+        </p:txBody>
+      </p:sp>
+    </p:spTree>
+    <p:extLst>
+      <p:ext uri="{BB962C8B-B14F-4D97-AF65-F5344CB8AC3E}">
+        <p14:creationId xmlns:p14="http://schemas.microsoft.com/office/powerpoint/2010/main" val="1416994416"/>
+      </p:ext>
+    </p:extLst>
+  </p:cSld>
+  <p:clrMapOvr>
+    <a:masterClrMapping/>
+  </p:clrMapOvr>
+</p:sld>
+</file>
+
+<file path=ppt/slides/slide12.xml><?xml version="1.0" encoding="utf-8"?>
+<p:sld xmlns:a="http://schemas.openxmlformats.org/drawingml/2006/main" xmlns:r="http://schemas.openxmlformats.org/officeDocument/2006/relationships" xmlns:p="http://schemas.openxmlformats.org/presentationml/2006/main">
+  <p:cSld>
+    <p:spTree>
+      <p:nvGrpSpPr>
+        <p:cNvPr id="1" name=""/>
+        <p:cNvGrpSpPr/>
+        <p:nvPr/>
+      </p:nvGrpSpPr>
+      <p:grpSpPr>
+        <a:xfrm>
+          <a:off x="0" y="0"/>
+          <a:ext cx="0" cy="0"/>
+          <a:chOff x="0" y="0"/>
+          <a:chExt cx="0" cy="0"/>
+        </a:xfrm>
+      </p:grpSpPr>
+      <p:sp>
+        <p:nvSpPr>
+          <p:cNvPr id="4" name="TextBox 3">
+            <a:extLst>
+              <a:ext uri="{FF2B5EF4-FFF2-40B4-BE49-F238E27FC236}">
+                <a16:creationId xmlns:a16="http://schemas.microsoft.com/office/drawing/2014/main" id="{CB1BCAA0-C2B4-479E-9388-87D1FDF99400}"/>
+              </a:ext>
+            </a:extLst>
+          </p:cNvPr>
+          <p:cNvSpPr txBox="1"/>
+          <p:nvPr/>
+        </p:nvSpPr>
+        <p:spPr>
+          <a:xfrm>
+            <a:off x="621516" y="396241"/>
+            <a:ext cx="9803876" cy="369332"/>
+          </a:xfrm>
+          <a:prstGeom prst="rect">
+            <a:avLst/>
+          </a:prstGeom>
+          <a:noFill/>
+        </p:spPr>
+        <p:txBody>
+          <a:bodyPr wrap="square" rtlCol="0">
+            <a:spAutoFit/>
+          </a:bodyPr>
+          <a:lstStyle/>
+          <a:p>
+            <a:r>
+              <a:rPr lang="ru-RU" dirty="0"/>
+              <a:t>ВО ДЕЛА, надо так разбросать штуки в портфеле</a:t>
+            </a:r>
+          </a:p>
+        </p:txBody>
+      </p:sp>
+      <p:pic>
+        <p:nvPicPr>
+          <p:cNvPr id="3" name="Рисунок 2">
+            <a:extLst>
+              <a:ext uri="{FF2B5EF4-FFF2-40B4-BE49-F238E27FC236}">
+                <a16:creationId xmlns:a16="http://schemas.microsoft.com/office/drawing/2014/main" id="{7063EB57-0C89-421A-A49D-78567B27689D}"/>
+              </a:ext>
+            </a:extLst>
+          </p:cNvPr>
+          <p:cNvPicPr>
+            <a:picLocks noChangeAspect="1"/>
+          </p:cNvPicPr>
+          <p:nvPr/>
+        </p:nvPicPr>
+        <p:blipFill>
+          <a:blip r:embed="rId2"/>
+          <a:stretch>
+            <a:fillRect/>
+          </a:stretch>
+        </p:blipFill>
+        <p:spPr>
+          <a:xfrm>
+            <a:off x="621516" y="1085243"/>
+            <a:ext cx="5839640" cy="5191850"/>
+          </a:xfrm>
+          <a:prstGeom prst="rect">
+            <a:avLst/>
+          </a:prstGeom>
+        </p:spPr>
+      </p:pic>
+    </p:spTree>
+    <p:extLst>
+      <p:ext uri="{BB962C8B-B14F-4D97-AF65-F5344CB8AC3E}">
+        <p14:creationId xmlns:p14="http://schemas.microsoft.com/office/powerpoint/2010/main" val="730535981"/>
+      </p:ext>
+    </p:extLst>
+  </p:cSld>
+  <p:clrMapOvr>
+    <a:masterClrMapping/>
+  </p:clrMapOvr>
+</p:sld>
+</file>
+
+<file path=ppt/slides/slide13.xml><?xml version="1.0" encoding="utf-8"?>
+<p:sld xmlns:a="http://schemas.openxmlformats.org/drawingml/2006/main" xmlns:r="http://schemas.openxmlformats.org/officeDocument/2006/relationships" xmlns:p="http://schemas.openxmlformats.org/presentationml/2006/main">
+  <p:cSld>
+    <p:spTree>
+      <p:nvGrpSpPr>
+        <p:cNvPr id="1" name=""/>
+        <p:cNvGrpSpPr/>
+        <p:nvPr/>
+      </p:nvGrpSpPr>
+      <p:grpSpPr>
+        <a:xfrm>
+          <a:off x="0" y="0"/>
+          <a:ext cx="0" cy="0"/>
+          <a:chOff x="0" y="0"/>
+          <a:chExt cx="0" cy="0"/>
+        </a:xfrm>
+      </p:grpSpPr>
+      <p:sp>
+        <p:nvSpPr>
+          <p:cNvPr id="2" name="TextBox 1">
+            <a:extLst>
+              <a:ext uri="{FF2B5EF4-FFF2-40B4-BE49-F238E27FC236}">
+                <a16:creationId xmlns:a16="http://schemas.microsoft.com/office/drawing/2014/main" id="{57A48989-C450-4DBE-9C5E-99143CD6ED5F}"/>
+              </a:ext>
+            </a:extLst>
+          </p:cNvPr>
+          <p:cNvSpPr txBox="1"/>
+          <p:nvPr/>
+        </p:nvSpPr>
+        <p:spPr>
+          <a:xfrm>
+            <a:off x="1168924" y="1791093"/>
+            <a:ext cx="7041822" cy="3785652"/>
+          </a:xfrm>
+          <a:prstGeom prst="rect">
+            <a:avLst/>
+          </a:prstGeom>
+          <a:noFill/>
+        </p:spPr>
+        <p:txBody>
+          <a:bodyPr wrap="square" rtlCol="0">
+            <a:spAutoFit/>
+          </a:bodyPr>
+          <a:lstStyle/>
+          <a:p>
+            <a:r>
+              <a:rPr lang="ru-RU" sz="6000" dirty="0"/>
+              <a:t>Акт 3. Оптимизация Монте-Карло (ЁБАНЫЙ РОТ ЭТОГО КАЗИНО БЛЯТЬ)</a:t>
+            </a:r>
+          </a:p>
+        </p:txBody>
+      </p:sp>
+    </p:spTree>
+    <p:extLst>
+      <p:ext uri="{BB962C8B-B14F-4D97-AF65-F5344CB8AC3E}">
+        <p14:creationId xmlns:p14="http://schemas.microsoft.com/office/powerpoint/2010/main" val="1448201294"/>
+      </p:ext>
+    </p:extLst>
+  </p:cSld>
+  <p:clrMapOvr>
+    <a:masterClrMapping/>
+  </p:clrMapOvr>
+</p:sld>
+</file>
+
+<file path=ppt/slides/slide14.xml><?xml version="1.0" encoding="utf-8"?>
+<p:sld xmlns:a="http://schemas.openxmlformats.org/drawingml/2006/main" xmlns:r="http://schemas.openxmlformats.org/officeDocument/2006/relationships" xmlns:p="http://schemas.openxmlformats.org/presentationml/2006/main">
+  <p:cSld>
+    <p:spTree>
+      <p:nvGrpSpPr>
+        <p:cNvPr id="1" name=""/>
+        <p:cNvGrpSpPr/>
+        <p:nvPr/>
+      </p:nvGrpSpPr>
+      <p:grpSpPr>
+        <a:xfrm>
+          <a:off x="0" y="0"/>
+          <a:ext cx="0" cy="0"/>
+          <a:chOff x="0" y="0"/>
+          <a:chExt cx="0" cy="0"/>
+        </a:xfrm>
+      </p:grpSpPr>
+      <p:sp>
+        <p:nvSpPr>
+          <p:cNvPr id="4" name="TextBox 3">
+            <a:extLst>
+              <a:ext uri="{FF2B5EF4-FFF2-40B4-BE49-F238E27FC236}">
+                <a16:creationId xmlns:a16="http://schemas.microsoft.com/office/drawing/2014/main" id="{CB1BCAA0-C2B4-479E-9388-87D1FDF99400}"/>
+              </a:ext>
+            </a:extLst>
+          </p:cNvPr>
+          <p:cNvSpPr txBox="1"/>
+          <p:nvPr/>
+        </p:nvSpPr>
+        <p:spPr>
+          <a:xfrm>
+            <a:off x="621516" y="396241"/>
+            <a:ext cx="9803876" cy="369332"/>
+          </a:xfrm>
+          <a:prstGeom prst="rect">
+            <a:avLst/>
+          </a:prstGeom>
+          <a:noFill/>
+        </p:spPr>
+        <p:txBody>
+          <a:bodyPr wrap="square" rtlCol="0">
+            <a:spAutoFit/>
+          </a:bodyPr>
+          <a:lstStyle/>
+          <a:p>
+            <a:r>
+              <a:rPr lang="ru-RU" dirty="0" err="1"/>
+              <a:t>Генерим</a:t>
+            </a:r>
+            <a:r>
+              <a:rPr lang="ru-RU" dirty="0"/>
+              <a:t> 10к портфелей</a:t>
+            </a:r>
+          </a:p>
+        </p:txBody>
+      </p:sp>
+      <p:pic>
+        <p:nvPicPr>
+          <p:cNvPr id="5" name="Рисунок 4">
+            <a:extLst>
+              <a:ext uri="{FF2B5EF4-FFF2-40B4-BE49-F238E27FC236}">
+                <a16:creationId xmlns:a16="http://schemas.microsoft.com/office/drawing/2014/main" id="{2590D700-FDF4-482F-9E8C-E74048FB404F}"/>
+              </a:ext>
+            </a:extLst>
+          </p:cNvPr>
+          <p:cNvPicPr>
+            <a:picLocks noChangeAspect="1"/>
+          </p:cNvPicPr>
+          <p:nvPr/>
+        </p:nvPicPr>
+        <p:blipFill>
+          <a:blip r:embed="rId2"/>
+          <a:stretch>
+            <a:fillRect/>
+          </a:stretch>
+        </p:blipFill>
+        <p:spPr>
+          <a:xfrm>
+            <a:off x="301655" y="1267793"/>
+            <a:ext cx="8164689" cy="4666380"/>
+          </a:xfrm>
+          <a:prstGeom prst="rect">
+            <a:avLst/>
+          </a:prstGeom>
+        </p:spPr>
+      </p:pic>
+      <p:sp>
+        <p:nvSpPr>
+          <p:cNvPr id="6" name="Прямоугольник 5">
+            <a:extLst>
+              <a:ext uri="{FF2B5EF4-FFF2-40B4-BE49-F238E27FC236}">
+                <a16:creationId xmlns:a16="http://schemas.microsoft.com/office/drawing/2014/main" id="{1A9AA556-8CFA-49EE-815A-0E12B067BECA}"/>
+              </a:ext>
+            </a:extLst>
+          </p:cNvPr>
+          <p:cNvSpPr/>
+          <p:nvPr/>
+        </p:nvSpPr>
+        <p:spPr>
+          <a:xfrm>
+            <a:off x="5740924" y="3214540"/>
+            <a:ext cx="2516956" cy="2648932"/>
+          </a:xfrm>
+          <a:prstGeom prst="rect">
+            <a:avLst/>
+          </a:prstGeom>
+        </p:spPr>
+        <p:style>
+          <a:lnRef idx="2">
+            <a:schemeClr val="accent1">
+              <a:shade val="50000"/>
+            </a:schemeClr>
+          </a:lnRef>
+          <a:fillRef idx="1">
+            <a:schemeClr val="accent1"/>
+          </a:fillRef>
+          <a:effectRef idx="0">
+            <a:schemeClr val="accent1"/>
+          </a:effectRef>
+          <a:fontRef idx="minor">
+            <a:schemeClr val="lt1"/>
+          </a:fontRef>
+        </p:style>
+        <p:txBody>
+          <a:bodyPr rtlCol="0" anchor="ctr"/>
+          <a:lstStyle/>
+          <a:p>
+            <a:pPr algn="ctr"/>
+            <a:r>
+              <a:rPr lang="ru-RU" dirty="0" err="1"/>
+              <a:t>Генерим</a:t>
+            </a:r>
+            <a:r>
+              <a:rPr lang="ru-RU" dirty="0"/>
+              <a:t> </a:t>
+            </a:r>
+            <a:r>
+              <a:rPr lang="ru-RU" dirty="0" err="1"/>
+              <a:t>рандомные</a:t>
+            </a:r>
+            <a:r>
+              <a:rPr lang="ru-RU" dirty="0"/>
+              <a:t> доли для наших тикеров. Затем, используя знакомые функции, для этих </a:t>
+            </a:r>
+            <a:r>
+              <a:rPr lang="ru-RU" dirty="0" err="1"/>
+              <a:t>рандомных</a:t>
+            </a:r>
+            <a:r>
+              <a:rPr lang="ru-RU" dirty="0"/>
+              <a:t> долей находим такие же </a:t>
+            </a:r>
+            <a:r>
+              <a:rPr lang="ru-RU" dirty="0" err="1"/>
+              <a:t>рандомные</a:t>
+            </a:r>
+            <a:r>
+              <a:rPr lang="ru-RU" dirty="0"/>
+              <a:t> риски и доходности</a:t>
+            </a:r>
+          </a:p>
+        </p:txBody>
+      </p:sp>
+      <p:sp>
+        <p:nvSpPr>
+          <p:cNvPr id="7" name="Прямоугольник 6">
+            <a:extLst>
+              <a:ext uri="{FF2B5EF4-FFF2-40B4-BE49-F238E27FC236}">
+                <a16:creationId xmlns:a16="http://schemas.microsoft.com/office/drawing/2014/main" id="{30FB0E4D-23C9-46A8-9EDA-9DE39FEBF9C9}"/>
+              </a:ext>
+            </a:extLst>
+          </p:cNvPr>
+          <p:cNvSpPr/>
+          <p:nvPr/>
+        </p:nvSpPr>
+        <p:spPr>
+          <a:xfrm>
+            <a:off x="2611225" y="2017335"/>
+            <a:ext cx="4713402" cy="367645"/>
+          </a:xfrm>
+          <a:prstGeom prst="rect">
+            <a:avLst/>
+          </a:prstGeom>
+        </p:spPr>
+        <p:style>
+          <a:lnRef idx="2">
+            <a:schemeClr val="accent1">
+              <a:shade val="50000"/>
+            </a:schemeClr>
+          </a:lnRef>
+          <a:fillRef idx="1">
+            <a:schemeClr val="accent1"/>
+          </a:fillRef>
+          <a:effectRef idx="0">
+            <a:schemeClr val="accent1"/>
+          </a:effectRef>
+          <a:fontRef idx="minor">
+            <a:schemeClr val="lt1"/>
+          </a:fontRef>
+        </p:style>
+        <p:txBody>
+          <a:bodyPr rtlCol="0" anchor="ctr"/>
+          <a:lstStyle/>
+          <a:p>
+            <a:pPr algn="ctr"/>
+            <a:r>
+              <a:rPr lang="ru-RU" dirty="0"/>
+              <a:t>Зафигачим 10к вариантов портфелей</a:t>
+            </a:r>
+          </a:p>
+        </p:txBody>
+      </p:sp>
+    </p:spTree>
+    <p:extLst>
+      <p:ext uri="{BB962C8B-B14F-4D97-AF65-F5344CB8AC3E}">
+        <p14:creationId xmlns:p14="http://schemas.microsoft.com/office/powerpoint/2010/main" val="4294729269"/>
+      </p:ext>
+    </p:extLst>
+  </p:cSld>
+  <p:clrMapOvr>
+    <a:masterClrMapping/>
+  </p:clrMapOvr>
+</p:sld>
+</file>
+
+<file path=ppt/slides/slide15.xml><?xml version="1.0" encoding="utf-8"?>
+<p:sld xmlns:a="http://schemas.openxmlformats.org/drawingml/2006/main" xmlns:r="http://schemas.openxmlformats.org/officeDocument/2006/relationships" xmlns:p="http://schemas.openxmlformats.org/presentationml/2006/main">
+  <p:cSld>
+    <p:spTree>
+      <p:nvGrpSpPr>
+        <p:cNvPr id="1" name=""/>
+        <p:cNvGrpSpPr/>
+        <p:nvPr/>
+      </p:nvGrpSpPr>
+      <p:grpSpPr>
+        <a:xfrm>
+          <a:off x="0" y="0"/>
+          <a:ext cx="0" cy="0"/>
+          <a:chOff x="0" y="0"/>
+          <a:chExt cx="0" cy="0"/>
+        </a:xfrm>
+      </p:grpSpPr>
+      <p:sp>
+        <p:nvSpPr>
+          <p:cNvPr id="4" name="TextBox 3">
+            <a:extLst>
+              <a:ext uri="{FF2B5EF4-FFF2-40B4-BE49-F238E27FC236}">
+                <a16:creationId xmlns:a16="http://schemas.microsoft.com/office/drawing/2014/main" id="{CB1BCAA0-C2B4-479E-9388-87D1FDF99400}"/>
+              </a:ext>
+            </a:extLst>
+          </p:cNvPr>
+          <p:cNvSpPr txBox="1"/>
+          <p:nvPr/>
+        </p:nvSpPr>
+        <p:spPr>
+          <a:xfrm>
+            <a:off x="621516" y="396241"/>
+            <a:ext cx="9803876" cy="923330"/>
+          </a:xfrm>
+          <a:prstGeom prst="rect">
+            <a:avLst/>
+          </a:prstGeom>
+          <a:noFill/>
+        </p:spPr>
+        <p:txBody>
+          <a:bodyPr wrap="square" rtlCol="0">
+            <a:spAutoFit/>
+          </a:bodyPr>
+          <a:lstStyle/>
+          <a:p>
+            <a:r>
+              <a:rPr lang="ru-RU" dirty="0"/>
+              <a:t>Облачко делает </a:t>
+            </a:r>
+            <a:r>
+              <a:rPr lang="ru-RU" dirty="0" err="1"/>
+              <a:t>бррр</a:t>
+            </a:r>
+            <a:r>
+              <a:rPr lang="ru-RU" dirty="0"/>
+              <a:t>, но это неправильное почему-то. Должно быть наоборот, чтобы было обратная зависимость доходности от риска. А сейчас будто бы чем выше риск, тем ниже доходность))))</a:t>
+            </a:r>
+          </a:p>
+        </p:txBody>
+      </p:sp>
+      <p:pic>
+        <p:nvPicPr>
+          <p:cNvPr id="3" name="Рисунок 2">
+            <a:extLst>
+              <a:ext uri="{FF2B5EF4-FFF2-40B4-BE49-F238E27FC236}">
+                <a16:creationId xmlns:a16="http://schemas.microsoft.com/office/drawing/2014/main" id="{CF9BA879-121B-41DF-8808-289BED91C6F1}"/>
+              </a:ext>
+            </a:extLst>
+          </p:cNvPr>
+          <p:cNvPicPr>
+            <a:picLocks noChangeAspect="1"/>
+          </p:cNvPicPr>
+          <p:nvPr/>
+        </p:nvPicPr>
+        <p:blipFill>
+          <a:blip r:embed="rId2"/>
+          <a:stretch>
+            <a:fillRect/>
+          </a:stretch>
+        </p:blipFill>
+        <p:spPr>
+          <a:xfrm>
+            <a:off x="707010" y="1331201"/>
+            <a:ext cx="7931115" cy="4763227"/>
+          </a:xfrm>
+          <a:prstGeom prst="rect">
+            <a:avLst/>
+          </a:prstGeom>
+        </p:spPr>
+      </p:pic>
+      <p:sp>
+        <p:nvSpPr>
+          <p:cNvPr id="9" name="Дуга 8">
+            <a:extLst>
+              <a:ext uri="{FF2B5EF4-FFF2-40B4-BE49-F238E27FC236}">
+                <a16:creationId xmlns:a16="http://schemas.microsoft.com/office/drawing/2014/main" id="{926DB702-7745-45CC-B49B-83BF14D48E9F}"/>
+              </a:ext>
+            </a:extLst>
+          </p:cNvPr>
+          <p:cNvSpPr/>
+          <p:nvPr/>
+        </p:nvSpPr>
+        <p:spPr>
+          <a:xfrm flipH="1" flipV="1">
+            <a:off x="2611224" y="2950588"/>
+            <a:ext cx="7117237" cy="1772239"/>
+          </a:xfrm>
+          <a:prstGeom prst="arc">
+            <a:avLst/>
+          </a:prstGeom>
+          <a:ln w="19050">
+            <a:solidFill>
+              <a:srgbClr val="FF0000"/>
+            </a:solidFill>
+          </a:ln>
+        </p:spPr>
+        <p:style>
+          <a:lnRef idx="1">
+            <a:schemeClr val="accent1"/>
+          </a:lnRef>
+          <a:fillRef idx="0">
+            <a:schemeClr val="accent1"/>
+          </a:fillRef>
+          <a:effectRef idx="0">
+            <a:schemeClr val="accent1"/>
+          </a:effectRef>
+          <a:fontRef idx="minor">
+            <a:schemeClr val="tx1"/>
+          </a:fontRef>
+        </p:style>
+        <p:txBody>
+          <a:bodyPr rtlCol="0" anchor="ctr"/>
+          <a:lstStyle/>
+          <a:p>
+            <a:pPr algn="ctr"/>
+            <a:endParaRPr lang="ru-RU"/>
+          </a:p>
+        </p:txBody>
+      </p:sp>
+    </p:spTree>
+    <p:extLst>
+      <p:ext uri="{BB962C8B-B14F-4D97-AF65-F5344CB8AC3E}">
+        <p14:creationId xmlns:p14="http://schemas.microsoft.com/office/powerpoint/2010/main" val="3409191474"/>
+      </p:ext>
+    </p:extLst>
+  </p:cSld>
+  <p:clrMapOvr>
+    <a:masterClrMapping/>
+  </p:clrMapOvr>
+</p:sld>
+</file>
+
+<file path=ppt/slides/slide16.xml><?xml version="1.0" encoding="utf-8"?>
+<p:sld xmlns:a="http://schemas.openxmlformats.org/drawingml/2006/main" xmlns:r="http://schemas.openxmlformats.org/officeDocument/2006/relationships" xmlns:p="http://schemas.openxmlformats.org/presentationml/2006/main">
+  <p:cSld>
+    <p:spTree>
+      <p:nvGrpSpPr>
+        <p:cNvPr id="1" name=""/>
+        <p:cNvGrpSpPr/>
+        <p:nvPr/>
+      </p:nvGrpSpPr>
+      <p:grpSpPr>
+        <a:xfrm>
+          <a:off x="0" y="0"/>
+          <a:ext cx="0" cy="0"/>
+          <a:chOff x="0" y="0"/>
+          <a:chExt cx="0" cy="0"/>
+        </a:xfrm>
+      </p:grpSpPr>
+      <p:sp>
+        <p:nvSpPr>
+          <p:cNvPr id="4" name="Прямоугольник 3">
+            <a:extLst>
+              <a:ext uri="{FF2B5EF4-FFF2-40B4-BE49-F238E27FC236}">
+                <a16:creationId xmlns:a16="http://schemas.microsoft.com/office/drawing/2014/main" id="{5ABCEE42-9797-4CCF-BE24-9C4B820209A6}"/>
+              </a:ext>
+            </a:extLst>
+          </p:cNvPr>
+          <p:cNvSpPr/>
+          <p:nvPr/>
+        </p:nvSpPr>
+        <p:spPr>
+          <a:xfrm>
+            <a:off x="9404317" y="134331"/>
+            <a:ext cx="2565472" cy="3572759"/>
+          </a:xfrm>
+          <a:prstGeom prst="rect">
+            <a:avLst/>
+          </a:prstGeom>
+        </p:spPr>
+        <p:style>
+          <a:lnRef idx="2">
+            <a:schemeClr val="accent1">
+              <a:shade val="50000"/>
+            </a:schemeClr>
+          </a:lnRef>
+          <a:fillRef idx="1">
+            <a:schemeClr val="accent1"/>
+          </a:fillRef>
+          <a:effectRef idx="0">
+            <a:schemeClr val="accent1"/>
+          </a:effectRef>
+          <a:fontRef idx="minor">
+            <a:schemeClr val="lt1"/>
+          </a:fontRef>
+        </p:style>
+        <p:txBody>
+          <a:bodyPr rtlCol="0" anchor="ctr"/>
+          <a:lstStyle/>
+          <a:p>
+            <a:pPr algn="ctr"/>
+            <a:r>
+              <a:rPr lang="ru-RU" dirty="0"/>
+              <a:t>Ищем оптимальные портфели – с минимальным риском, с максимальной доходностью и с максимальным Шарпом</a:t>
+            </a:r>
+          </a:p>
+        </p:txBody>
+      </p:sp>
+      <p:pic>
+        <p:nvPicPr>
+          <p:cNvPr id="6" name="Рисунок 5">
+            <a:extLst>
+              <a:ext uri="{FF2B5EF4-FFF2-40B4-BE49-F238E27FC236}">
+                <a16:creationId xmlns:a16="http://schemas.microsoft.com/office/drawing/2014/main" id="{60D237A5-3A38-47DA-8E8E-F18D505B7DEF}"/>
+              </a:ext>
+            </a:extLst>
+          </p:cNvPr>
+          <p:cNvPicPr>
+            <a:picLocks noChangeAspect="1"/>
+          </p:cNvPicPr>
+          <p:nvPr/>
+        </p:nvPicPr>
+        <p:blipFill>
+          <a:blip r:embed="rId2"/>
+          <a:stretch>
+            <a:fillRect/>
+          </a:stretch>
+        </p:blipFill>
+        <p:spPr>
+          <a:xfrm>
+            <a:off x="222211" y="134331"/>
+            <a:ext cx="8543847" cy="3572760"/>
+          </a:xfrm>
+          <a:prstGeom prst="rect">
+            <a:avLst/>
+          </a:prstGeom>
+        </p:spPr>
+      </p:pic>
+      <p:pic>
+        <p:nvPicPr>
+          <p:cNvPr id="8" name="Рисунок 7">
+            <a:extLst>
+              <a:ext uri="{FF2B5EF4-FFF2-40B4-BE49-F238E27FC236}">
+                <a16:creationId xmlns:a16="http://schemas.microsoft.com/office/drawing/2014/main" id="{9CA7EA54-014F-4CA3-83C9-2282ED505C1D}"/>
+              </a:ext>
+            </a:extLst>
+          </p:cNvPr>
+          <p:cNvPicPr>
+            <a:picLocks noChangeAspect="1"/>
+          </p:cNvPicPr>
+          <p:nvPr/>
+        </p:nvPicPr>
+        <p:blipFill>
+          <a:blip r:embed="rId3"/>
+          <a:stretch>
+            <a:fillRect/>
+          </a:stretch>
+        </p:blipFill>
+        <p:spPr>
+          <a:xfrm>
+            <a:off x="840704" y="3940404"/>
+            <a:ext cx="3200720" cy="2438644"/>
+          </a:xfrm>
+          <a:prstGeom prst="rect">
+            <a:avLst/>
+          </a:prstGeom>
+        </p:spPr>
+      </p:pic>
+      <p:sp>
+        <p:nvSpPr>
+          <p:cNvPr id="11" name="Прямоугольник 10">
+            <a:extLst>
+              <a:ext uri="{FF2B5EF4-FFF2-40B4-BE49-F238E27FC236}">
+                <a16:creationId xmlns:a16="http://schemas.microsoft.com/office/drawing/2014/main" id="{BB2549E9-9DC7-4D64-A0B4-BBA9AAB9E589}"/>
+              </a:ext>
+            </a:extLst>
+          </p:cNvPr>
+          <p:cNvSpPr/>
+          <p:nvPr/>
+        </p:nvSpPr>
+        <p:spPr>
+          <a:xfrm>
+            <a:off x="4748857" y="4157221"/>
+            <a:ext cx="5837443" cy="1681898"/>
+          </a:xfrm>
+          <a:prstGeom prst="rect">
+            <a:avLst/>
+          </a:prstGeom>
+        </p:spPr>
+        <p:style>
+          <a:lnRef idx="2">
+            <a:schemeClr val="accent1">
+              <a:shade val="50000"/>
+            </a:schemeClr>
+          </a:lnRef>
+          <a:fillRef idx="1">
+            <a:schemeClr val="accent1"/>
+          </a:fillRef>
+          <a:effectRef idx="0">
+            <a:schemeClr val="accent1"/>
+          </a:effectRef>
+          <a:fontRef idx="minor">
+            <a:schemeClr val="lt1"/>
+          </a:fontRef>
+        </p:style>
+        <p:txBody>
+          <a:bodyPr rtlCol="0" anchor="ctr"/>
+          <a:lstStyle/>
+          <a:p>
+            <a:pPr algn="ctr"/>
+            <a:r>
+              <a:rPr lang="ru-RU" dirty="0"/>
+              <a:t>Получаем значения и кайфуем </a:t>
+            </a:r>
+          </a:p>
+        </p:txBody>
+      </p:sp>
+    </p:spTree>
+    <p:extLst>
+      <p:ext uri="{BB962C8B-B14F-4D97-AF65-F5344CB8AC3E}">
+        <p14:creationId xmlns:p14="http://schemas.microsoft.com/office/powerpoint/2010/main" val="1125146969"/>
+      </p:ext>
+    </p:extLst>
+  </p:cSld>
+  <p:clrMapOvr>
+    <a:masterClrMapping/>
+  </p:clrMapOvr>
+</p:sld>
+</file>
+
 <file path=ppt/slides/slide2.xml><?xml version="1.0" encoding="utf-8"?>
 <p:sld xmlns:a="http://schemas.openxmlformats.org/drawingml/2006/main" xmlns:r="http://schemas.openxmlformats.org/officeDocument/2006/relationships" xmlns:p="http://schemas.openxmlformats.org/presentationml/2006/main">
   <p:cSld>
@@ -4087,36 +5447,6 @@
           </a:p>
         </p:txBody>
       </p:sp>
-      <p:pic>
-        <p:nvPicPr>
-          <p:cNvPr id="4" name="Рисунок 3">
-            <a:extLst>
-              <a:ext uri="{FF2B5EF4-FFF2-40B4-BE49-F238E27FC236}">
-                <a16:creationId xmlns:a16="http://schemas.microsoft.com/office/drawing/2014/main" id="{67462BF5-785C-466E-AE95-6AC274D88DBF}"/>
-              </a:ext>
-            </a:extLst>
-          </p:cNvPr>
-          <p:cNvPicPr>
-            <a:picLocks noChangeAspect="1"/>
-          </p:cNvPicPr>
-          <p:nvPr/>
-        </p:nvPicPr>
-        <p:blipFill>
-          <a:blip r:embed="rId2"/>
-          <a:stretch>
-            <a:fillRect/>
-          </a:stretch>
-        </p:blipFill>
-        <p:spPr>
-          <a:xfrm>
-            <a:off x="490194" y="927774"/>
-            <a:ext cx="6551629" cy="5487166"/>
-          </a:xfrm>
-          <a:prstGeom prst="rect">
-            <a:avLst/>
-          </a:prstGeom>
-        </p:spPr>
-      </p:pic>
       <p:sp>
         <p:nvSpPr>
           <p:cNvPr id="6" name="Прямоугольник 5">
@@ -4161,7 +5491,7 @@
             <a:pPr algn="ctr"/>
             <a:r>
               <a:rPr lang="ru-RU" dirty="0"/>
-              <a:t>Скачали цены за 3 года с </a:t>
+              <a:t>Скачали цены за 8 лет с </a:t>
             </a:r>
             <a:r>
               <a:rPr lang="en-US" dirty="0" err="1"/>
@@ -4198,6 +5528,36 @@
           </a:p>
         </p:txBody>
       </p:sp>
+      <p:pic>
+        <p:nvPicPr>
+          <p:cNvPr id="5" name="Рисунок 4">
+            <a:extLst>
+              <a:ext uri="{FF2B5EF4-FFF2-40B4-BE49-F238E27FC236}">
+                <a16:creationId xmlns:a16="http://schemas.microsoft.com/office/drawing/2014/main" id="{5D36D700-ABEB-426A-8DE5-5F9BC83FD390}"/>
+              </a:ext>
+            </a:extLst>
+          </p:cNvPr>
+          <p:cNvPicPr>
+            <a:picLocks noChangeAspect="1"/>
+          </p:cNvPicPr>
+          <p:nvPr/>
+        </p:nvPicPr>
+        <p:blipFill>
+          <a:blip r:embed="rId2"/>
+          <a:stretch>
+            <a:fillRect/>
+          </a:stretch>
+        </p:blipFill>
+        <p:spPr>
+          <a:xfrm>
+            <a:off x="385768" y="1334714"/>
+            <a:ext cx="6574652" cy="4188571"/>
+          </a:xfrm>
+          <a:prstGeom prst="rect">
+            <a:avLst/>
+          </a:prstGeom>
+        </p:spPr>
+      </p:pic>
     </p:spTree>
     <p:extLst>
       <p:ext uri="{BB962C8B-B14F-4D97-AF65-F5344CB8AC3E}">
@@ -4337,12 +5697,47 @@
           <a:chExt cx="0" cy="0"/>
         </a:xfrm>
       </p:grpSpPr>
+      <p:sp>
+        <p:nvSpPr>
+          <p:cNvPr id="4" name="TextBox 3">
+            <a:extLst>
+              <a:ext uri="{FF2B5EF4-FFF2-40B4-BE49-F238E27FC236}">
+                <a16:creationId xmlns:a16="http://schemas.microsoft.com/office/drawing/2014/main" id="{C17C64FA-2BA4-4304-9ABB-07C568D40257}"/>
+              </a:ext>
+            </a:extLst>
+          </p:cNvPr>
+          <p:cNvSpPr txBox="1"/>
+          <p:nvPr/>
+        </p:nvSpPr>
+        <p:spPr>
+          <a:xfrm>
+            <a:off x="490194" y="443060"/>
+            <a:ext cx="9803876" cy="369332"/>
+          </a:xfrm>
+          <a:prstGeom prst="rect">
+            <a:avLst/>
+          </a:prstGeom>
+          <a:noFill/>
+        </p:spPr>
+        <p:txBody>
+          <a:bodyPr wrap="square" rtlCol="0">
+            <a:spAutoFit/>
+          </a:bodyPr>
+          <a:lstStyle/>
+          <a:p>
+            <a:r>
+              <a:rPr lang="ru-RU" dirty="0"/>
+              <a:t>Считаем всякое</a:t>
+            </a:r>
+          </a:p>
+        </p:txBody>
+      </p:sp>
       <p:pic>
         <p:nvPicPr>
-          <p:cNvPr id="3" name="Рисунок 2">
-            <a:extLst>
-              <a:ext uri="{FF2B5EF4-FFF2-40B4-BE49-F238E27FC236}">
-                <a16:creationId xmlns:a16="http://schemas.microsoft.com/office/drawing/2014/main" id="{968BB05C-96B3-4322-8757-CE917312CE1C}"/>
+          <p:cNvPr id="5" name="Рисунок 4">
+            <a:extLst>
+              <a:ext uri="{FF2B5EF4-FFF2-40B4-BE49-F238E27FC236}">
+                <a16:creationId xmlns:a16="http://schemas.microsoft.com/office/drawing/2014/main" id="{1AEC47AB-17D8-499E-AC19-8F1BBB35703F}"/>
               </a:ext>
             </a:extLst>
           </p:cNvPr>
@@ -4359,8 +5754,8 @@
         </p:blipFill>
         <p:spPr>
           <a:xfrm>
-            <a:off x="1" y="1885360"/>
-            <a:ext cx="6004874" cy="3954721"/>
+            <a:off x="377841" y="1109710"/>
+            <a:ext cx="7682061" cy="5088414"/>
           </a:xfrm>
           <a:prstGeom prst="rect">
             <a:avLst/>
@@ -4369,136 +5764,261 @@
       </p:pic>
       <p:sp>
         <p:nvSpPr>
-          <p:cNvPr id="4" name="TextBox 3">
-            <a:extLst>
-              <a:ext uri="{FF2B5EF4-FFF2-40B4-BE49-F238E27FC236}">
-                <a16:creationId xmlns:a16="http://schemas.microsoft.com/office/drawing/2014/main" id="{C17C64FA-2BA4-4304-9ABB-07C568D40257}"/>
-              </a:ext>
-            </a:extLst>
-          </p:cNvPr>
-          <p:cNvSpPr txBox="1"/>
+          <p:cNvPr id="6" name="Прямоугольник 5">
+            <a:extLst>
+              <a:ext uri="{FF2B5EF4-FFF2-40B4-BE49-F238E27FC236}">
+                <a16:creationId xmlns:a16="http://schemas.microsoft.com/office/drawing/2014/main" id="{ABE05462-0047-4A6E-AE49-1F2FB9975503}"/>
+              </a:ext>
+            </a:extLst>
+          </p:cNvPr>
+          <p:cNvSpPr/>
           <p:nvPr/>
         </p:nvSpPr>
         <p:spPr>
           <a:xfrm>
-            <a:off x="490194" y="443060"/>
-            <a:ext cx="9803876" cy="369332"/>
+            <a:off x="6297105" y="2469823"/>
+            <a:ext cx="3808429" cy="565608"/>
           </a:xfrm>
           <a:prstGeom prst="rect">
             <a:avLst/>
           </a:prstGeom>
-          <a:noFill/>
-        </p:spPr>
-        <p:txBody>
-          <a:bodyPr wrap="square" rtlCol="0">
-            <a:spAutoFit/>
-          </a:bodyPr>
-          <a:lstStyle/>
-          <a:p>
+        </p:spPr>
+        <p:style>
+          <a:lnRef idx="2">
+            <a:schemeClr val="accent1">
+              <a:shade val="50000"/>
+            </a:schemeClr>
+          </a:lnRef>
+          <a:fillRef idx="1">
+            <a:schemeClr val="accent1"/>
+          </a:fillRef>
+          <a:effectRef idx="0">
+            <a:schemeClr val="accent1"/>
+          </a:effectRef>
+          <a:fontRef idx="minor">
+            <a:schemeClr val="lt1"/>
+          </a:fontRef>
+        </p:style>
+        <p:txBody>
+          <a:bodyPr rtlCol="0" anchor="ctr"/>
+          <a:lstStyle/>
+          <a:p>
+            <a:pPr algn="ctr"/>
             <a:r>
               <a:rPr lang="ru-RU" dirty="0"/>
-              <a:t>Находим риск и среднюю доходность для каждой акции</a:t>
-            </a:r>
-          </a:p>
-        </p:txBody>
-      </p:sp>
-      <p:pic>
-        <p:nvPicPr>
-          <p:cNvPr id="7" name="Рисунок 6">
-            <a:extLst>
-              <a:ext uri="{FF2B5EF4-FFF2-40B4-BE49-F238E27FC236}">
-                <a16:creationId xmlns:a16="http://schemas.microsoft.com/office/drawing/2014/main" id="{6A2F15E5-FC46-474C-8F1B-DB98FCECF055}"/>
-              </a:ext>
-            </a:extLst>
-          </p:cNvPr>
-          <p:cNvPicPr>
-            <a:picLocks noChangeAspect="1"/>
-          </p:cNvPicPr>
+              <a:t>Скользящие средние по </a:t>
+            </a:r>
+            <a:r>
+              <a:rPr lang="ru-RU" dirty="0" err="1"/>
+              <a:t>логдоходности</a:t>
+            </a:r>
+            <a:endParaRPr lang="ru-RU" dirty="0"/>
+          </a:p>
+        </p:txBody>
+      </p:sp>
+      <p:sp>
+        <p:nvSpPr>
+          <p:cNvPr id="10" name="Прямоугольник 9">
+            <a:extLst>
+              <a:ext uri="{FF2B5EF4-FFF2-40B4-BE49-F238E27FC236}">
+                <a16:creationId xmlns:a16="http://schemas.microsoft.com/office/drawing/2014/main" id="{18BE5657-1BCB-42A9-91EB-0070051F17C3}"/>
+              </a:ext>
+            </a:extLst>
+          </p:cNvPr>
+          <p:cNvSpPr/>
           <p:nvPr/>
-        </p:nvPicPr>
-        <p:blipFill>
-          <a:blip r:embed="rId3"/>
-          <a:stretch>
-            <a:fillRect/>
-          </a:stretch>
-        </p:blipFill>
-        <p:spPr>
-          <a:xfrm>
-            <a:off x="6318837" y="1819460"/>
-            <a:ext cx="5873162" cy="4086520"/>
+        </p:nvSpPr>
+        <p:spPr>
+          <a:xfrm>
+            <a:off x="6570482" y="3539766"/>
+            <a:ext cx="3808429" cy="565608"/>
           </a:xfrm>
           <a:prstGeom prst="rect">
             <a:avLst/>
           </a:prstGeom>
         </p:spPr>
-      </p:pic>
-      <p:sp>
-        <p:nvSpPr>
-          <p:cNvPr id="8" name="TextBox 7">
-            <a:extLst>
-              <a:ext uri="{FF2B5EF4-FFF2-40B4-BE49-F238E27FC236}">
-                <a16:creationId xmlns:a16="http://schemas.microsoft.com/office/drawing/2014/main" id="{FB245D6B-9D9E-442D-A41B-C5ECC6460734}"/>
-              </a:ext>
-            </a:extLst>
-          </p:cNvPr>
-          <p:cNvSpPr txBox="1"/>
+        <p:style>
+          <a:lnRef idx="2">
+            <a:schemeClr val="accent1">
+              <a:shade val="50000"/>
+            </a:schemeClr>
+          </a:lnRef>
+          <a:fillRef idx="1">
+            <a:schemeClr val="accent1"/>
+          </a:fillRef>
+          <a:effectRef idx="0">
+            <a:schemeClr val="accent1"/>
+          </a:effectRef>
+          <a:fontRef idx="minor">
+            <a:schemeClr val="lt1"/>
+          </a:fontRef>
+        </p:style>
+        <p:txBody>
+          <a:bodyPr rtlCol="0" anchor="ctr"/>
+          <a:lstStyle/>
+          <a:p>
+            <a:pPr algn="ctr"/>
+            <a:r>
+              <a:rPr lang="ru-RU" dirty="0"/>
+              <a:t>Ковариационная матрица </a:t>
+            </a:r>
+            <a:r>
+              <a:rPr lang="ru-RU" dirty="0" err="1"/>
+              <a:t>логдоходностей</a:t>
+            </a:r>
+            <a:endParaRPr lang="ru-RU" dirty="0"/>
+          </a:p>
+        </p:txBody>
+      </p:sp>
+      <p:sp>
+        <p:nvSpPr>
+          <p:cNvPr id="11" name="Прямоугольник 10">
+            <a:extLst>
+              <a:ext uri="{FF2B5EF4-FFF2-40B4-BE49-F238E27FC236}">
+                <a16:creationId xmlns:a16="http://schemas.microsoft.com/office/drawing/2014/main" id="{074E128D-1C00-473B-8994-99B674038808}"/>
+              </a:ext>
+            </a:extLst>
+          </p:cNvPr>
+          <p:cNvSpPr/>
           <p:nvPr/>
         </p:nvSpPr>
         <p:spPr>
           <a:xfrm>
-            <a:off x="829559" y="1150070"/>
-            <a:ext cx="2828041" cy="369332"/>
+            <a:off x="6570482" y="4410058"/>
+            <a:ext cx="3808429" cy="565608"/>
           </a:xfrm>
           <a:prstGeom prst="rect">
             <a:avLst/>
           </a:prstGeom>
-          <a:noFill/>
-        </p:spPr>
-        <p:txBody>
-          <a:bodyPr wrap="square" rtlCol="0">
-            <a:spAutoFit/>
-          </a:bodyPr>
-          <a:lstStyle/>
-          <a:p>
+        </p:spPr>
+        <p:style>
+          <a:lnRef idx="2">
+            <a:schemeClr val="accent1">
+              <a:shade val="50000"/>
+            </a:schemeClr>
+          </a:lnRef>
+          <a:fillRef idx="1">
+            <a:schemeClr val="accent1"/>
+          </a:fillRef>
+          <a:effectRef idx="0">
+            <a:schemeClr val="accent1"/>
+          </a:effectRef>
+          <a:fontRef idx="minor">
+            <a:schemeClr val="lt1"/>
+          </a:fontRef>
+        </p:style>
+        <p:txBody>
+          <a:bodyPr rtlCol="0" anchor="ctr"/>
+          <a:lstStyle/>
+          <a:p>
+            <a:pPr algn="ctr"/>
             <a:r>
               <a:rPr lang="ru-RU" dirty="0"/>
-              <a:t>Доходность</a:t>
-            </a:r>
-          </a:p>
-        </p:txBody>
-      </p:sp>
-      <p:sp>
-        <p:nvSpPr>
-          <p:cNvPr id="9" name="TextBox 8">
-            <a:extLst>
-              <a:ext uri="{FF2B5EF4-FFF2-40B4-BE49-F238E27FC236}">
-                <a16:creationId xmlns:a16="http://schemas.microsoft.com/office/drawing/2014/main" id="{254D87E6-B42E-4BE2-99CC-0D3F880D0C01}"/>
-              </a:ext>
-            </a:extLst>
-          </p:cNvPr>
-          <p:cNvSpPr txBox="1"/>
+              <a:t>Считаем риск всего портфеля по формуле</a:t>
+            </a:r>
+          </a:p>
+        </p:txBody>
+      </p:sp>
+      <p:sp>
+        <p:nvSpPr>
+          <p:cNvPr id="12" name="Прямоугольник 11">
+            <a:extLst>
+              <a:ext uri="{FF2B5EF4-FFF2-40B4-BE49-F238E27FC236}">
+                <a16:creationId xmlns:a16="http://schemas.microsoft.com/office/drawing/2014/main" id="{5A25BE0E-AAE4-4AEB-976D-0583364B5B70}"/>
+              </a:ext>
+            </a:extLst>
+          </p:cNvPr>
+          <p:cNvSpPr/>
           <p:nvPr/>
         </p:nvSpPr>
         <p:spPr>
           <a:xfrm>
-            <a:off x="6523349" y="1131260"/>
-            <a:ext cx="2828041" cy="369332"/>
+            <a:off x="6485641" y="5304091"/>
+            <a:ext cx="3808429" cy="565608"/>
           </a:xfrm>
           <a:prstGeom prst="rect">
             <a:avLst/>
           </a:prstGeom>
-          <a:noFill/>
-        </p:spPr>
-        <p:txBody>
-          <a:bodyPr wrap="square" rtlCol="0">
-            <a:spAutoFit/>
-          </a:bodyPr>
-          <a:lstStyle/>
-          <a:p>
+        </p:spPr>
+        <p:style>
+          <a:lnRef idx="2">
+            <a:schemeClr val="accent1">
+              <a:shade val="50000"/>
+            </a:schemeClr>
+          </a:lnRef>
+          <a:fillRef idx="1">
+            <a:schemeClr val="accent1"/>
+          </a:fillRef>
+          <a:effectRef idx="0">
+            <a:schemeClr val="accent1"/>
+          </a:effectRef>
+          <a:fontRef idx="minor">
+            <a:schemeClr val="lt1"/>
+          </a:fontRef>
+        </p:style>
+        <p:txBody>
+          <a:bodyPr rtlCol="0" anchor="ctr"/>
+          <a:lstStyle/>
+          <a:p>
+            <a:pPr algn="ctr"/>
             <a:r>
               <a:rPr lang="ru-RU" dirty="0"/>
-              <a:t>Риск</a:t>
-            </a:r>
+              <a:t>Находим ожидаемую доходность портфеля</a:t>
+            </a:r>
+          </a:p>
+        </p:txBody>
+      </p:sp>
+      <p:sp>
+        <p:nvSpPr>
+          <p:cNvPr id="13" name="Прямоугольник 12">
+            <a:extLst>
+              <a:ext uri="{FF2B5EF4-FFF2-40B4-BE49-F238E27FC236}">
+                <a16:creationId xmlns:a16="http://schemas.microsoft.com/office/drawing/2014/main" id="{ECCB7616-BB3C-4DFC-A3C5-253241BB8BFE}"/>
+              </a:ext>
+            </a:extLst>
+          </p:cNvPr>
+          <p:cNvSpPr/>
+          <p:nvPr/>
+        </p:nvSpPr>
+        <p:spPr>
+          <a:xfrm>
+            <a:off x="5542961" y="1304857"/>
+            <a:ext cx="3808429" cy="565608"/>
+          </a:xfrm>
+          <a:prstGeom prst="rect">
+            <a:avLst/>
+          </a:prstGeom>
+        </p:spPr>
+        <p:style>
+          <a:lnRef idx="2">
+            <a:schemeClr val="accent1">
+              <a:shade val="50000"/>
+            </a:schemeClr>
+          </a:lnRef>
+          <a:fillRef idx="1">
+            <a:schemeClr val="accent1"/>
+          </a:fillRef>
+          <a:effectRef idx="0">
+            <a:schemeClr val="accent1"/>
+          </a:effectRef>
+          <a:fontRef idx="minor">
+            <a:schemeClr val="lt1"/>
+          </a:fontRef>
+        </p:style>
+        <p:txBody>
+          <a:bodyPr rtlCol="0" anchor="ctr"/>
+          <a:lstStyle/>
+          <a:p>
+            <a:pPr algn="ctr"/>
+            <a:r>
+              <a:rPr lang="ru-RU" dirty="0"/>
+              <a:t>Скачиваем данные в </a:t>
+            </a:r>
+            <a:r>
+              <a:rPr lang="ru-RU" dirty="0" err="1"/>
+              <a:t>питхон</a:t>
+            </a:r>
+            <a:endParaRPr lang="ru-RU" dirty="0"/>
           </a:p>
         </p:txBody>
       </p:sp>
